--- a/IS466/Lectures/9-Cases/Case Studies.pptx
+++ b/IS466/Lectures/9-Cases/Case Studies.pptx
@@ -5,7 +5,7 @@
     <p:sldMasterId id="2147483648" r:id="rId1"/>
   </p:sldMasterIdLst>
   <p:notesMasterIdLst>
-    <p:notesMasterId r:id="rId20"/>
+    <p:notesMasterId r:id="rId27"/>
   </p:notesMasterIdLst>
   <p:sldIdLst>
     <p:sldId id="256" r:id="rId2"/>
@@ -26,6 +26,13 @@
     <p:sldId id="762" r:id="rId17"/>
     <p:sldId id="763" r:id="rId18"/>
     <p:sldId id="764" r:id="rId19"/>
+    <p:sldId id="765" r:id="rId20"/>
+    <p:sldId id="766" r:id="rId21"/>
+    <p:sldId id="767" r:id="rId22"/>
+    <p:sldId id="768" r:id="rId23"/>
+    <p:sldId id="769" r:id="rId24"/>
+    <p:sldId id="770" r:id="rId25"/>
+    <p:sldId id="771" r:id="rId26"/>
   </p:sldIdLst>
   <p:sldSz cx="12192000" cy="6858000"/>
   <p:notesSz cx="6858000" cy="9144000"/>
@@ -5863,6 +5870,151 @@
 </p:sld>
 </file>
 
+<file path=ppt/slides/slide19.xml><?xml version="1.0" encoding="utf-8"?>
+<p:sld xmlns:a="http://schemas.openxmlformats.org/drawingml/2006/main" xmlns:r="http://schemas.openxmlformats.org/officeDocument/2006/relationships" xmlns:p="http://schemas.openxmlformats.org/presentationml/2006/main">
+  <p:cSld>
+    <p:spTree>
+      <p:nvGrpSpPr>
+        <p:cNvPr id="1" name=""/>
+        <p:cNvGrpSpPr/>
+        <p:nvPr/>
+      </p:nvGrpSpPr>
+      <p:grpSpPr>
+        <a:xfrm>
+          <a:off x="0" y="0"/>
+          <a:ext cx="0" cy="0"/>
+          <a:chOff x="0" y="0"/>
+          <a:chExt cx="0" cy="0"/>
+        </a:xfrm>
+      </p:grpSpPr>
+      <p:sp>
+        <p:nvSpPr>
+          <p:cNvPr id="2" name="Title 1">
+            <a:extLst>
+              <a:ext uri="{FF2B5EF4-FFF2-40B4-BE49-F238E27FC236}">
+                <a16:creationId xmlns:a16="http://schemas.microsoft.com/office/drawing/2014/main" id="{24A77397-4504-44EE-9C8D-BB471B86D61A}"/>
+              </a:ext>
+            </a:extLst>
+          </p:cNvPr>
+          <p:cNvSpPr>
+            <a:spLocks noGrp="1"/>
+          </p:cNvSpPr>
+          <p:nvPr>
+            <p:ph type="title"/>
+          </p:nvPr>
+        </p:nvSpPr>
+        <p:spPr/>
+        <p:txBody>
+          <a:bodyPr/>
+          <a:lstStyle/>
+          <a:p>
+            <a:r>
+              <a:rPr lang="en-US" dirty="0" err="1"/>
+              <a:t>GlobalBank</a:t>
+            </a:r>
+            <a:endParaRPr lang="en-US" dirty="0"/>
+          </a:p>
+        </p:txBody>
+      </p:sp>
+      <p:sp>
+        <p:nvSpPr>
+          <p:cNvPr id="3" name="Content Placeholder 2">
+            <a:extLst>
+              <a:ext uri="{FF2B5EF4-FFF2-40B4-BE49-F238E27FC236}">
+                <a16:creationId xmlns:a16="http://schemas.microsoft.com/office/drawing/2014/main" id="{50D245F9-36BD-4F99-9A43-101BA67A5A9B}"/>
+              </a:ext>
+            </a:extLst>
+          </p:cNvPr>
+          <p:cNvSpPr>
+            <a:spLocks noGrp="1"/>
+          </p:cNvSpPr>
+          <p:nvPr>
+            <p:ph idx="1"/>
+          </p:nvPr>
+        </p:nvSpPr>
+        <p:spPr/>
+        <p:txBody>
+          <a:bodyPr>
+            <a:normAutofit/>
+          </a:bodyPr>
+          <a:lstStyle/>
+          <a:p>
+            <a:r>
+              <a:rPr lang="en-US" dirty="0" err="1"/>
+              <a:t>GlobalBank</a:t>
+            </a:r>
+            <a:r>
+              <a:rPr lang="en-US" dirty="0"/>
+              <a:t>, a multinational banking corporation with operations in over 50 countries.</a:t>
+            </a:r>
+          </a:p>
+          <a:p>
+            <a:r>
+              <a:rPr lang="en-US" dirty="0" err="1"/>
+              <a:t>GlobalBank</a:t>
+            </a:r>
+            <a:r>
+              <a:rPr lang="en-US" dirty="0"/>
+              <a:t> has experienced rapid growth in recent years, resulting in a significant increase in the volume and complexity of its data. </a:t>
+            </a:r>
+          </a:p>
+          <a:p>
+            <a:r>
+              <a:rPr lang="en-US" dirty="0"/>
+              <a:t>The company has multiple data systems, including customer relationship management (CRM) systems, transactional databases, and data warehouses. </a:t>
+            </a:r>
+          </a:p>
+          <a:p>
+            <a:r>
+              <a:rPr lang="en-US" dirty="0"/>
+              <a:t>However, the lack of a centralized data management strategy has led to data inconsistencies, inaccuracies, and security breaches.</a:t>
+            </a:r>
+          </a:p>
+        </p:txBody>
+      </p:sp>
+      <p:sp>
+        <p:nvSpPr>
+          <p:cNvPr id="4" name="Slide Number Placeholder 3">
+            <a:extLst>
+              <a:ext uri="{FF2B5EF4-FFF2-40B4-BE49-F238E27FC236}">
+                <a16:creationId xmlns:a16="http://schemas.microsoft.com/office/drawing/2014/main" id="{6EAAE246-E1A3-442C-A268-76D4D2C70809}"/>
+              </a:ext>
+            </a:extLst>
+          </p:cNvPr>
+          <p:cNvSpPr>
+            <a:spLocks noGrp="1"/>
+          </p:cNvSpPr>
+          <p:nvPr>
+            <p:ph type="sldNum" sz="quarter" idx="12"/>
+          </p:nvPr>
+        </p:nvSpPr>
+        <p:spPr/>
+        <p:txBody>
+          <a:bodyPr/>
+          <a:lstStyle/>
+          <a:p>
+            <a:fld id="{B8DACC02-A2BD-4578-8E03-6D891060A695}" type="slidenum">
+              <a:rPr lang="en-US" smtClean="0"/>
+              <a:pPr/>
+              <a:t>19</a:t>
+            </a:fld>
+            <a:endParaRPr lang="en-US" dirty="0"/>
+          </a:p>
+        </p:txBody>
+      </p:sp>
+    </p:spTree>
+    <p:extLst>
+      <p:ext uri="{BB962C8B-B14F-4D97-AF65-F5344CB8AC3E}">
+        <p14:creationId xmlns:p14="http://schemas.microsoft.com/office/powerpoint/2010/main" val="2653686405"/>
+      </p:ext>
+    </p:extLst>
+  </p:cSld>
+  <p:clrMapOvr>
+    <a:masterClrMapping/>
+  </p:clrMapOvr>
+</p:sld>
+</file>
+
 <file path=ppt/slides/slide2.xml><?xml version="1.0" encoding="utf-8"?>
 <p:sld xmlns:a="http://schemas.openxmlformats.org/drawingml/2006/main" xmlns:r="http://schemas.openxmlformats.org/officeDocument/2006/relationships" xmlns:p="http://schemas.openxmlformats.org/presentationml/2006/main">
   <p:cSld>
@@ -5978,6 +6130,857 @@
     <p:extLst>
       <p:ext uri="{BB962C8B-B14F-4D97-AF65-F5344CB8AC3E}">
         <p14:creationId xmlns:p14="http://schemas.microsoft.com/office/powerpoint/2010/main" val="2160823004"/>
+      </p:ext>
+    </p:extLst>
+  </p:cSld>
+  <p:clrMapOvr>
+    <a:masterClrMapping/>
+  </p:clrMapOvr>
+</p:sld>
+</file>
+
+<file path=ppt/slides/slide20.xml><?xml version="1.0" encoding="utf-8"?>
+<p:sld xmlns:a="http://schemas.openxmlformats.org/drawingml/2006/main" xmlns:r="http://schemas.openxmlformats.org/officeDocument/2006/relationships" xmlns:p="http://schemas.openxmlformats.org/presentationml/2006/main">
+  <p:cSld>
+    <p:spTree>
+      <p:nvGrpSpPr>
+        <p:cNvPr id="1" name=""/>
+        <p:cNvGrpSpPr/>
+        <p:nvPr/>
+      </p:nvGrpSpPr>
+      <p:grpSpPr>
+        <a:xfrm>
+          <a:off x="0" y="0"/>
+          <a:ext cx="0" cy="0"/>
+          <a:chOff x="0" y="0"/>
+          <a:chExt cx="0" cy="0"/>
+        </a:xfrm>
+      </p:grpSpPr>
+      <p:sp>
+        <p:nvSpPr>
+          <p:cNvPr id="2" name="Title 1">
+            <a:extLst>
+              <a:ext uri="{FF2B5EF4-FFF2-40B4-BE49-F238E27FC236}">
+                <a16:creationId xmlns:a16="http://schemas.microsoft.com/office/drawing/2014/main" id="{E97B5ADE-EB1E-457D-A99B-8AE1FAD0DB57}"/>
+              </a:ext>
+            </a:extLst>
+          </p:cNvPr>
+          <p:cNvSpPr>
+            <a:spLocks noGrp="1"/>
+          </p:cNvSpPr>
+          <p:nvPr>
+            <p:ph type="title"/>
+          </p:nvPr>
+        </p:nvSpPr>
+        <p:spPr/>
+        <p:txBody>
+          <a:bodyPr/>
+          <a:lstStyle/>
+          <a:p>
+            <a:r>
+              <a:rPr lang="en-US" dirty="0"/>
+              <a:t>Problem Statement</a:t>
+            </a:r>
+          </a:p>
+        </p:txBody>
+      </p:sp>
+      <p:sp>
+        <p:nvSpPr>
+          <p:cNvPr id="3" name="Content Placeholder 2">
+            <a:extLst>
+              <a:ext uri="{FF2B5EF4-FFF2-40B4-BE49-F238E27FC236}">
+                <a16:creationId xmlns:a16="http://schemas.microsoft.com/office/drawing/2014/main" id="{766375BF-BC9B-49F9-9C7F-9788127A9F0C}"/>
+              </a:ext>
+            </a:extLst>
+          </p:cNvPr>
+          <p:cNvSpPr>
+            <a:spLocks noGrp="1"/>
+          </p:cNvSpPr>
+          <p:nvPr>
+            <p:ph idx="1"/>
+          </p:nvPr>
+        </p:nvSpPr>
+        <p:spPr/>
+        <p:txBody>
+          <a:bodyPr>
+            <a:normAutofit/>
+          </a:bodyPr>
+          <a:lstStyle/>
+          <a:p>
+            <a:r>
+              <a:rPr lang="en-US" dirty="0" err="1"/>
+              <a:t>GlobalBank's</a:t>
+            </a:r>
+            <a:r>
+              <a:rPr lang="en-US" dirty="0"/>
+              <a:t> CEO has mandated the implementation of a comprehensive data management and governance program to ensure the accuracy, security, and integrity of the company's data. </a:t>
+            </a:r>
+          </a:p>
+          <a:p>
+            <a:r>
+              <a:rPr lang="en-US" dirty="0"/>
+              <a:t>The program must address the following issues:</a:t>
+            </a:r>
+          </a:p>
+          <a:p>
+            <a:pPr lvl="1"/>
+            <a:r>
+              <a:rPr lang="en-US" dirty="0"/>
+              <a:t>Data quality: Inconsistent and inaccurate customer data across different systems.</a:t>
+            </a:r>
+          </a:p>
+          <a:p>
+            <a:pPr lvl="1"/>
+            <a:r>
+              <a:rPr lang="en-US" dirty="0"/>
+              <a:t>Data security: Recent security breaches have compromised sensitive customer information.</a:t>
+            </a:r>
+          </a:p>
+          <a:p>
+            <a:pPr lvl="1"/>
+            <a:r>
+              <a:rPr lang="en-US" dirty="0"/>
+              <a:t>Data governance: Lack of clear policies and procedures for data management and use.</a:t>
+            </a:r>
+          </a:p>
+          <a:p>
+            <a:pPr lvl="1"/>
+            <a:r>
+              <a:rPr lang="en-US" dirty="0"/>
+              <a:t>Data integration: Difficulty in integrating data from different systems and sources.</a:t>
+            </a:r>
+          </a:p>
+        </p:txBody>
+      </p:sp>
+      <p:sp>
+        <p:nvSpPr>
+          <p:cNvPr id="4" name="Slide Number Placeholder 3">
+            <a:extLst>
+              <a:ext uri="{FF2B5EF4-FFF2-40B4-BE49-F238E27FC236}">
+                <a16:creationId xmlns:a16="http://schemas.microsoft.com/office/drawing/2014/main" id="{21CBADA0-0C8A-46A1-A1E9-2525A7BF8A38}"/>
+              </a:ext>
+            </a:extLst>
+          </p:cNvPr>
+          <p:cNvSpPr>
+            <a:spLocks noGrp="1"/>
+          </p:cNvSpPr>
+          <p:nvPr>
+            <p:ph type="sldNum" sz="quarter" idx="12"/>
+          </p:nvPr>
+        </p:nvSpPr>
+        <p:spPr/>
+        <p:txBody>
+          <a:bodyPr/>
+          <a:lstStyle/>
+          <a:p>
+            <a:fld id="{B8DACC02-A2BD-4578-8E03-6D891060A695}" type="slidenum">
+              <a:rPr lang="en-US" smtClean="0"/>
+              <a:pPr/>
+              <a:t>20</a:t>
+            </a:fld>
+            <a:endParaRPr lang="en-US" dirty="0"/>
+          </a:p>
+        </p:txBody>
+      </p:sp>
+    </p:spTree>
+    <p:extLst>
+      <p:ext uri="{BB962C8B-B14F-4D97-AF65-F5344CB8AC3E}">
+        <p14:creationId xmlns:p14="http://schemas.microsoft.com/office/powerpoint/2010/main" val="3837024605"/>
+      </p:ext>
+    </p:extLst>
+  </p:cSld>
+  <p:clrMapOvr>
+    <a:masterClrMapping/>
+  </p:clrMapOvr>
+</p:sld>
+</file>
+
+<file path=ppt/slides/slide21.xml><?xml version="1.0" encoding="utf-8"?>
+<p:sld xmlns:a="http://schemas.openxmlformats.org/drawingml/2006/main" xmlns:r="http://schemas.openxmlformats.org/officeDocument/2006/relationships" xmlns:p="http://schemas.openxmlformats.org/presentationml/2006/main">
+  <p:cSld>
+    <p:spTree>
+      <p:nvGrpSpPr>
+        <p:cNvPr id="1" name=""/>
+        <p:cNvGrpSpPr/>
+        <p:nvPr/>
+      </p:nvGrpSpPr>
+      <p:grpSpPr>
+        <a:xfrm>
+          <a:off x="0" y="0"/>
+          <a:ext cx="0" cy="0"/>
+          <a:chOff x="0" y="0"/>
+          <a:chExt cx="0" cy="0"/>
+        </a:xfrm>
+      </p:grpSpPr>
+      <p:sp>
+        <p:nvSpPr>
+          <p:cNvPr id="2" name="Title 1">
+            <a:extLst>
+              <a:ext uri="{FF2B5EF4-FFF2-40B4-BE49-F238E27FC236}">
+                <a16:creationId xmlns:a16="http://schemas.microsoft.com/office/drawing/2014/main" id="{9941A51A-2FFC-4CF1-94AE-B569CDB2CC5E}"/>
+              </a:ext>
+            </a:extLst>
+          </p:cNvPr>
+          <p:cNvSpPr>
+            <a:spLocks noGrp="1"/>
+          </p:cNvSpPr>
+          <p:nvPr>
+            <p:ph type="title"/>
+          </p:nvPr>
+        </p:nvSpPr>
+        <p:spPr/>
+        <p:txBody>
+          <a:bodyPr/>
+          <a:lstStyle/>
+          <a:p>
+            <a:r>
+              <a:rPr lang="en-US" dirty="0"/>
+              <a:t>Case Study Solution</a:t>
+            </a:r>
+          </a:p>
+        </p:txBody>
+      </p:sp>
+      <p:sp>
+        <p:nvSpPr>
+          <p:cNvPr id="3" name="Content Placeholder 2">
+            <a:extLst>
+              <a:ext uri="{FF2B5EF4-FFF2-40B4-BE49-F238E27FC236}">
+                <a16:creationId xmlns:a16="http://schemas.microsoft.com/office/drawing/2014/main" id="{1C756987-C871-4839-B893-842735082079}"/>
+              </a:ext>
+            </a:extLst>
+          </p:cNvPr>
+          <p:cNvSpPr>
+            <a:spLocks noGrp="1"/>
+          </p:cNvSpPr>
+          <p:nvPr>
+            <p:ph idx="1"/>
+          </p:nvPr>
+        </p:nvSpPr>
+        <p:spPr/>
+        <p:txBody>
+          <a:bodyPr/>
+          <a:lstStyle/>
+          <a:p>
+            <a:r>
+              <a:rPr lang="en-US" dirty="0"/>
+              <a:t>Data Governance Framework:</a:t>
+            </a:r>
+          </a:p>
+          <a:p>
+            <a:pPr lvl="1"/>
+            <a:r>
+              <a:rPr lang="en-US" dirty="0"/>
+              <a:t>Established a Data Governance Council (DGC) comprising senior executives from different business units.</a:t>
+            </a:r>
+          </a:p>
+          <a:p>
+            <a:pPr lvl="1"/>
+            <a:r>
+              <a:rPr lang="en-US" dirty="0"/>
+              <a:t>Defined data governance roles and responsibilities, including a Chief Data Officer (CDO).</a:t>
+            </a:r>
+          </a:p>
+          <a:p>
+            <a:pPr lvl="1"/>
+            <a:r>
+              <a:rPr lang="en-US" dirty="0"/>
+              <a:t>Developed a data governance policy that outlines data management principles, standards, and procedures.</a:t>
+            </a:r>
+          </a:p>
+          <a:p>
+            <a:pPr lvl="1"/>
+            <a:r>
+              <a:rPr lang="en-US" dirty="0"/>
+              <a:t>Established a data quality program to ensure data accuracy, completeness, and consistency.</a:t>
+            </a:r>
+          </a:p>
+        </p:txBody>
+      </p:sp>
+      <p:sp>
+        <p:nvSpPr>
+          <p:cNvPr id="4" name="Slide Number Placeholder 3">
+            <a:extLst>
+              <a:ext uri="{FF2B5EF4-FFF2-40B4-BE49-F238E27FC236}">
+                <a16:creationId xmlns:a16="http://schemas.microsoft.com/office/drawing/2014/main" id="{536CC786-CC50-4EC7-ABC5-7907213A8D8C}"/>
+              </a:ext>
+            </a:extLst>
+          </p:cNvPr>
+          <p:cNvSpPr>
+            <a:spLocks noGrp="1"/>
+          </p:cNvSpPr>
+          <p:nvPr>
+            <p:ph type="sldNum" sz="quarter" idx="12"/>
+          </p:nvPr>
+        </p:nvSpPr>
+        <p:spPr/>
+        <p:txBody>
+          <a:bodyPr/>
+          <a:lstStyle/>
+          <a:p>
+            <a:fld id="{B8DACC02-A2BD-4578-8E03-6D891060A695}" type="slidenum">
+              <a:rPr lang="en-US" smtClean="0"/>
+              <a:pPr/>
+              <a:t>21</a:t>
+            </a:fld>
+            <a:endParaRPr lang="en-US" dirty="0"/>
+          </a:p>
+        </p:txBody>
+      </p:sp>
+    </p:spTree>
+    <p:extLst>
+      <p:ext uri="{BB962C8B-B14F-4D97-AF65-F5344CB8AC3E}">
+        <p14:creationId xmlns:p14="http://schemas.microsoft.com/office/powerpoint/2010/main" val="276884865"/>
+      </p:ext>
+    </p:extLst>
+  </p:cSld>
+  <p:clrMapOvr>
+    <a:masterClrMapping/>
+  </p:clrMapOvr>
+</p:sld>
+</file>
+
+<file path=ppt/slides/slide22.xml><?xml version="1.0" encoding="utf-8"?>
+<p:sld xmlns:a="http://schemas.openxmlformats.org/drawingml/2006/main" xmlns:r="http://schemas.openxmlformats.org/officeDocument/2006/relationships" xmlns:p="http://schemas.openxmlformats.org/presentationml/2006/main">
+  <p:cSld>
+    <p:spTree>
+      <p:nvGrpSpPr>
+        <p:cNvPr id="1" name=""/>
+        <p:cNvGrpSpPr/>
+        <p:nvPr/>
+      </p:nvGrpSpPr>
+      <p:grpSpPr>
+        <a:xfrm>
+          <a:off x="0" y="0"/>
+          <a:ext cx="0" cy="0"/>
+          <a:chOff x="0" y="0"/>
+          <a:chExt cx="0" cy="0"/>
+        </a:xfrm>
+      </p:grpSpPr>
+      <p:sp>
+        <p:nvSpPr>
+          <p:cNvPr id="2" name="Title 1">
+            <a:extLst>
+              <a:ext uri="{FF2B5EF4-FFF2-40B4-BE49-F238E27FC236}">
+                <a16:creationId xmlns:a16="http://schemas.microsoft.com/office/drawing/2014/main" id="{9941A51A-2FFC-4CF1-94AE-B569CDB2CC5E}"/>
+              </a:ext>
+            </a:extLst>
+          </p:cNvPr>
+          <p:cNvSpPr>
+            <a:spLocks noGrp="1"/>
+          </p:cNvSpPr>
+          <p:nvPr>
+            <p:ph type="title"/>
+          </p:nvPr>
+        </p:nvSpPr>
+        <p:spPr/>
+        <p:txBody>
+          <a:bodyPr/>
+          <a:lstStyle/>
+          <a:p>
+            <a:r>
+              <a:rPr lang="en-US" dirty="0"/>
+              <a:t>Case Study Solution</a:t>
+            </a:r>
+          </a:p>
+        </p:txBody>
+      </p:sp>
+      <p:sp>
+        <p:nvSpPr>
+          <p:cNvPr id="3" name="Content Placeholder 2">
+            <a:extLst>
+              <a:ext uri="{FF2B5EF4-FFF2-40B4-BE49-F238E27FC236}">
+                <a16:creationId xmlns:a16="http://schemas.microsoft.com/office/drawing/2014/main" id="{1C756987-C871-4839-B893-842735082079}"/>
+              </a:ext>
+            </a:extLst>
+          </p:cNvPr>
+          <p:cNvSpPr>
+            <a:spLocks noGrp="1"/>
+          </p:cNvSpPr>
+          <p:nvPr>
+            <p:ph idx="1"/>
+          </p:nvPr>
+        </p:nvSpPr>
+        <p:spPr/>
+        <p:txBody>
+          <a:bodyPr/>
+          <a:lstStyle/>
+          <a:p>
+            <a:r>
+              <a:rPr lang="en-US" dirty="0"/>
+              <a:t>Data Management System:</a:t>
+            </a:r>
+          </a:p>
+          <a:p>
+            <a:pPr lvl="1"/>
+            <a:r>
+              <a:rPr lang="en-US" dirty="0"/>
+              <a:t>Designed and implemented a data warehouse to integrate data from different sources, including CRM systems, transactional databases, and external data sources.</a:t>
+            </a:r>
+          </a:p>
+          <a:p>
+            <a:pPr lvl="1"/>
+            <a:r>
+              <a:rPr lang="en-US" dirty="0"/>
+              <a:t>Developed a data integration platform to ensure seamless data exchange between systems.</a:t>
+            </a:r>
+          </a:p>
+          <a:p>
+            <a:pPr lvl="1"/>
+            <a:r>
+              <a:rPr lang="en-US" dirty="0"/>
+              <a:t>Implemented data quality checks and validation rules to ensure data accuracy and consistency.</a:t>
+            </a:r>
+          </a:p>
+        </p:txBody>
+      </p:sp>
+      <p:sp>
+        <p:nvSpPr>
+          <p:cNvPr id="4" name="Slide Number Placeholder 3">
+            <a:extLst>
+              <a:ext uri="{FF2B5EF4-FFF2-40B4-BE49-F238E27FC236}">
+                <a16:creationId xmlns:a16="http://schemas.microsoft.com/office/drawing/2014/main" id="{536CC786-CC50-4EC7-ABC5-7907213A8D8C}"/>
+              </a:ext>
+            </a:extLst>
+          </p:cNvPr>
+          <p:cNvSpPr>
+            <a:spLocks noGrp="1"/>
+          </p:cNvSpPr>
+          <p:nvPr>
+            <p:ph type="sldNum" sz="quarter" idx="12"/>
+          </p:nvPr>
+        </p:nvSpPr>
+        <p:spPr/>
+        <p:txBody>
+          <a:bodyPr/>
+          <a:lstStyle/>
+          <a:p>
+            <a:fld id="{B8DACC02-A2BD-4578-8E03-6D891060A695}" type="slidenum">
+              <a:rPr lang="en-US" smtClean="0"/>
+              <a:pPr/>
+              <a:t>22</a:t>
+            </a:fld>
+            <a:endParaRPr lang="en-US" dirty="0"/>
+          </a:p>
+        </p:txBody>
+      </p:sp>
+    </p:spTree>
+    <p:extLst>
+      <p:ext uri="{BB962C8B-B14F-4D97-AF65-F5344CB8AC3E}">
+        <p14:creationId xmlns:p14="http://schemas.microsoft.com/office/powerpoint/2010/main" val="3696969240"/>
+      </p:ext>
+    </p:extLst>
+  </p:cSld>
+  <p:clrMapOvr>
+    <a:masterClrMapping/>
+  </p:clrMapOvr>
+</p:sld>
+</file>
+
+<file path=ppt/slides/slide23.xml><?xml version="1.0" encoding="utf-8"?>
+<p:sld xmlns:a="http://schemas.openxmlformats.org/drawingml/2006/main" xmlns:r="http://schemas.openxmlformats.org/officeDocument/2006/relationships" xmlns:p="http://schemas.openxmlformats.org/presentationml/2006/main">
+  <p:cSld>
+    <p:spTree>
+      <p:nvGrpSpPr>
+        <p:cNvPr id="1" name=""/>
+        <p:cNvGrpSpPr/>
+        <p:nvPr/>
+      </p:nvGrpSpPr>
+      <p:grpSpPr>
+        <a:xfrm>
+          <a:off x="0" y="0"/>
+          <a:ext cx="0" cy="0"/>
+          <a:chOff x="0" y="0"/>
+          <a:chExt cx="0" cy="0"/>
+        </a:xfrm>
+      </p:grpSpPr>
+      <p:sp>
+        <p:nvSpPr>
+          <p:cNvPr id="2" name="Title 1">
+            <a:extLst>
+              <a:ext uri="{FF2B5EF4-FFF2-40B4-BE49-F238E27FC236}">
+                <a16:creationId xmlns:a16="http://schemas.microsoft.com/office/drawing/2014/main" id="{9941A51A-2FFC-4CF1-94AE-B569CDB2CC5E}"/>
+              </a:ext>
+            </a:extLst>
+          </p:cNvPr>
+          <p:cNvSpPr>
+            <a:spLocks noGrp="1"/>
+          </p:cNvSpPr>
+          <p:nvPr>
+            <p:ph type="title"/>
+          </p:nvPr>
+        </p:nvSpPr>
+        <p:spPr/>
+        <p:txBody>
+          <a:bodyPr/>
+          <a:lstStyle/>
+          <a:p>
+            <a:r>
+              <a:rPr lang="en-US" dirty="0"/>
+              <a:t>Case Study Solution</a:t>
+            </a:r>
+          </a:p>
+        </p:txBody>
+      </p:sp>
+      <p:sp>
+        <p:nvSpPr>
+          <p:cNvPr id="3" name="Content Placeholder 2">
+            <a:extLst>
+              <a:ext uri="{FF2B5EF4-FFF2-40B4-BE49-F238E27FC236}">
+                <a16:creationId xmlns:a16="http://schemas.microsoft.com/office/drawing/2014/main" id="{1C756987-C871-4839-B893-842735082079}"/>
+              </a:ext>
+            </a:extLst>
+          </p:cNvPr>
+          <p:cNvSpPr>
+            <a:spLocks noGrp="1"/>
+          </p:cNvSpPr>
+          <p:nvPr>
+            <p:ph idx="1"/>
+          </p:nvPr>
+        </p:nvSpPr>
+        <p:spPr/>
+        <p:txBody>
+          <a:bodyPr/>
+          <a:lstStyle/>
+          <a:p>
+            <a:r>
+              <a:rPr lang="en-US" dirty="0"/>
+              <a:t>Data Analysis and Visualization:</a:t>
+            </a:r>
+          </a:p>
+          <a:p>
+            <a:pPr lvl="1"/>
+            <a:r>
+              <a:rPr lang="en-US" dirty="0"/>
+              <a:t>Developed a business intelligence (BI) platform to support data analysis and visualization.</a:t>
+            </a:r>
+          </a:p>
+          <a:p>
+            <a:pPr lvl="1"/>
+            <a:r>
+              <a:rPr lang="en-US" dirty="0"/>
+              <a:t>Implemented data visualization tools, such as dashboards and reports, to support business decision-making.</a:t>
+            </a:r>
+          </a:p>
+          <a:p>
+            <a:pPr lvl="1"/>
+            <a:r>
+              <a:rPr lang="en-US" dirty="0"/>
+              <a:t>Trained business users on data analysis and visualization techniques.</a:t>
+            </a:r>
+          </a:p>
+        </p:txBody>
+      </p:sp>
+      <p:sp>
+        <p:nvSpPr>
+          <p:cNvPr id="4" name="Slide Number Placeholder 3">
+            <a:extLst>
+              <a:ext uri="{FF2B5EF4-FFF2-40B4-BE49-F238E27FC236}">
+                <a16:creationId xmlns:a16="http://schemas.microsoft.com/office/drawing/2014/main" id="{536CC786-CC50-4EC7-ABC5-7907213A8D8C}"/>
+              </a:ext>
+            </a:extLst>
+          </p:cNvPr>
+          <p:cNvSpPr>
+            <a:spLocks noGrp="1"/>
+          </p:cNvSpPr>
+          <p:nvPr>
+            <p:ph type="sldNum" sz="quarter" idx="12"/>
+          </p:nvPr>
+        </p:nvSpPr>
+        <p:spPr/>
+        <p:txBody>
+          <a:bodyPr/>
+          <a:lstStyle/>
+          <a:p>
+            <a:fld id="{B8DACC02-A2BD-4578-8E03-6D891060A695}" type="slidenum">
+              <a:rPr lang="en-US" smtClean="0"/>
+              <a:pPr/>
+              <a:t>23</a:t>
+            </a:fld>
+            <a:endParaRPr lang="en-US" dirty="0"/>
+          </a:p>
+        </p:txBody>
+      </p:sp>
+    </p:spTree>
+    <p:extLst>
+      <p:ext uri="{BB962C8B-B14F-4D97-AF65-F5344CB8AC3E}">
+        <p14:creationId xmlns:p14="http://schemas.microsoft.com/office/powerpoint/2010/main" val="2614119085"/>
+      </p:ext>
+    </p:extLst>
+  </p:cSld>
+  <p:clrMapOvr>
+    <a:masterClrMapping/>
+  </p:clrMapOvr>
+</p:sld>
+</file>
+
+<file path=ppt/slides/slide24.xml><?xml version="1.0" encoding="utf-8"?>
+<p:sld xmlns:a="http://schemas.openxmlformats.org/drawingml/2006/main" xmlns:r="http://schemas.openxmlformats.org/officeDocument/2006/relationships" xmlns:p="http://schemas.openxmlformats.org/presentationml/2006/main">
+  <p:cSld>
+    <p:spTree>
+      <p:nvGrpSpPr>
+        <p:cNvPr id="1" name=""/>
+        <p:cNvGrpSpPr/>
+        <p:nvPr/>
+      </p:nvGrpSpPr>
+      <p:grpSpPr>
+        <a:xfrm>
+          <a:off x="0" y="0"/>
+          <a:ext cx="0" cy="0"/>
+          <a:chOff x="0" y="0"/>
+          <a:chExt cx="0" cy="0"/>
+        </a:xfrm>
+      </p:grpSpPr>
+      <p:sp>
+        <p:nvSpPr>
+          <p:cNvPr id="2" name="Title 1">
+            <a:extLst>
+              <a:ext uri="{FF2B5EF4-FFF2-40B4-BE49-F238E27FC236}">
+                <a16:creationId xmlns:a16="http://schemas.microsoft.com/office/drawing/2014/main" id="{9941A51A-2FFC-4CF1-94AE-B569CDB2CC5E}"/>
+              </a:ext>
+            </a:extLst>
+          </p:cNvPr>
+          <p:cNvSpPr>
+            <a:spLocks noGrp="1"/>
+          </p:cNvSpPr>
+          <p:nvPr>
+            <p:ph type="title"/>
+          </p:nvPr>
+        </p:nvSpPr>
+        <p:spPr/>
+        <p:txBody>
+          <a:bodyPr/>
+          <a:lstStyle/>
+          <a:p>
+            <a:r>
+              <a:rPr lang="en-US" dirty="0"/>
+              <a:t>Case Study Solution</a:t>
+            </a:r>
+          </a:p>
+        </p:txBody>
+      </p:sp>
+      <p:sp>
+        <p:nvSpPr>
+          <p:cNvPr id="3" name="Content Placeholder 2">
+            <a:extLst>
+              <a:ext uri="{FF2B5EF4-FFF2-40B4-BE49-F238E27FC236}">
+                <a16:creationId xmlns:a16="http://schemas.microsoft.com/office/drawing/2014/main" id="{1C756987-C871-4839-B893-842735082079}"/>
+              </a:ext>
+            </a:extLst>
+          </p:cNvPr>
+          <p:cNvSpPr>
+            <a:spLocks noGrp="1"/>
+          </p:cNvSpPr>
+          <p:nvPr>
+            <p:ph idx="1"/>
+          </p:nvPr>
+        </p:nvSpPr>
+        <p:spPr/>
+        <p:txBody>
+          <a:bodyPr/>
+          <a:lstStyle/>
+          <a:p>
+            <a:r>
+              <a:rPr lang="en-US" dirty="0"/>
+              <a:t>Policies and Procedures:</a:t>
+            </a:r>
+          </a:p>
+          <a:p>
+            <a:pPr lvl="1"/>
+            <a:r>
+              <a:rPr lang="en-US" dirty="0"/>
+              <a:t>Developed policies and procedures for data management and use, including data access, storage, and retention.</a:t>
+            </a:r>
+          </a:p>
+          <a:p>
+            <a:pPr lvl="1"/>
+            <a:r>
+              <a:rPr lang="en-US" dirty="0"/>
+              <a:t>Established a data breach response plan to ensure prompt response to security incidents.</a:t>
+            </a:r>
+          </a:p>
+          <a:p>
+            <a:pPr lvl="1"/>
+            <a:r>
+              <a:rPr lang="en-US" dirty="0"/>
+              <a:t>Implemented training programs for employees on data management and governance best practices.</a:t>
+            </a:r>
+          </a:p>
+        </p:txBody>
+      </p:sp>
+      <p:sp>
+        <p:nvSpPr>
+          <p:cNvPr id="4" name="Slide Number Placeholder 3">
+            <a:extLst>
+              <a:ext uri="{FF2B5EF4-FFF2-40B4-BE49-F238E27FC236}">
+                <a16:creationId xmlns:a16="http://schemas.microsoft.com/office/drawing/2014/main" id="{536CC786-CC50-4EC7-ABC5-7907213A8D8C}"/>
+              </a:ext>
+            </a:extLst>
+          </p:cNvPr>
+          <p:cNvSpPr>
+            <a:spLocks noGrp="1"/>
+          </p:cNvSpPr>
+          <p:nvPr>
+            <p:ph type="sldNum" sz="quarter" idx="12"/>
+          </p:nvPr>
+        </p:nvSpPr>
+        <p:spPr/>
+        <p:txBody>
+          <a:bodyPr/>
+          <a:lstStyle/>
+          <a:p>
+            <a:fld id="{B8DACC02-A2BD-4578-8E03-6D891060A695}" type="slidenum">
+              <a:rPr lang="en-US" smtClean="0"/>
+              <a:pPr/>
+              <a:t>24</a:t>
+            </a:fld>
+            <a:endParaRPr lang="en-US" dirty="0"/>
+          </a:p>
+        </p:txBody>
+      </p:sp>
+    </p:spTree>
+    <p:extLst>
+      <p:ext uri="{BB962C8B-B14F-4D97-AF65-F5344CB8AC3E}">
+        <p14:creationId xmlns:p14="http://schemas.microsoft.com/office/powerpoint/2010/main" val="2400342259"/>
+      </p:ext>
+    </p:extLst>
+  </p:cSld>
+  <p:clrMapOvr>
+    <a:masterClrMapping/>
+  </p:clrMapOvr>
+</p:sld>
+</file>
+
+<file path=ppt/slides/slide25.xml><?xml version="1.0" encoding="utf-8"?>
+<p:sld xmlns:a="http://schemas.openxmlformats.org/drawingml/2006/main" xmlns:r="http://schemas.openxmlformats.org/officeDocument/2006/relationships" xmlns:p="http://schemas.openxmlformats.org/presentationml/2006/main">
+  <p:cSld>
+    <p:spTree>
+      <p:nvGrpSpPr>
+        <p:cNvPr id="1" name=""/>
+        <p:cNvGrpSpPr/>
+        <p:nvPr/>
+      </p:nvGrpSpPr>
+      <p:grpSpPr>
+        <a:xfrm>
+          <a:off x="0" y="0"/>
+          <a:ext cx="0" cy="0"/>
+          <a:chOff x="0" y="0"/>
+          <a:chExt cx="0" cy="0"/>
+        </a:xfrm>
+      </p:grpSpPr>
+      <p:sp>
+        <p:nvSpPr>
+          <p:cNvPr id="2" name="Title 1">
+            <a:extLst>
+              <a:ext uri="{FF2B5EF4-FFF2-40B4-BE49-F238E27FC236}">
+                <a16:creationId xmlns:a16="http://schemas.microsoft.com/office/drawing/2014/main" id="{180F0962-9DB3-44E7-8010-51A455B603F0}"/>
+              </a:ext>
+            </a:extLst>
+          </p:cNvPr>
+          <p:cNvSpPr>
+            <a:spLocks noGrp="1"/>
+          </p:cNvSpPr>
+          <p:nvPr>
+            <p:ph type="title"/>
+          </p:nvPr>
+        </p:nvSpPr>
+        <p:spPr/>
+        <p:txBody>
+          <a:bodyPr/>
+          <a:lstStyle/>
+          <a:p>
+            <a:r>
+              <a:rPr lang="en-US" dirty="0"/>
+              <a:t>Benefits</a:t>
+            </a:r>
+          </a:p>
+        </p:txBody>
+      </p:sp>
+      <p:sp>
+        <p:nvSpPr>
+          <p:cNvPr id="3" name="Content Placeholder 2">
+            <a:extLst>
+              <a:ext uri="{FF2B5EF4-FFF2-40B4-BE49-F238E27FC236}">
+                <a16:creationId xmlns:a16="http://schemas.microsoft.com/office/drawing/2014/main" id="{E76E7E21-8D45-4480-AEF3-F7E9126D08BE}"/>
+              </a:ext>
+            </a:extLst>
+          </p:cNvPr>
+          <p:cNvSpPr>
+            <a:spLocks noGrp="1"/>
+          </p:cNvSpPr>
+          <p:nvPr>
+            <p:ph idx="1"/>
+          </p:nvPr>
+        </p:nvSpPr>
+        <p:spPr/>
+        <p:txBody>
+          <a:bodyPr/>
+          <a:lstStyle/>
+          <a:p>
+            <a:r>
+              <a:rPr lang="en-US" dirty="0"/>
+              <a:t>Improved data quality and accuracy.</a:t>
+            </a:r>
+          </a:p>
+          <a:p>
+            <a:r>
+              <a:rPr lang="en-US" dirty="0"/>
+              <a:t>Enhanced data security and integrity.</a:t>
+            </a:r>
+          </a:p>
+          <a:p>
+            <a:r>
+              <a:rPr lang="en-US" dirty="0"/>
+              <a:t>Better decision-making through data analysis and visualization.</a:t>
+            </a:r>
+          </a:p>
+          <a:p>
+            <a:r>
+              <a:rPr lang="en-US" dirty="0"/>
+              <a:t>Increased efficiency and productivity through automated data integration and processing.</a:t>
+            </a:r>
+          </a:p>
+          <a:p>
+            <a:r>
+              <a:rPr lang="en-US" dirty="0"/>
+              <a:t>Compliance with regulatory requirements and industry standards.</a:t>
+            </a:r>
+          </a:p>
+        </p:txBody>
+      </p:sp>
+      <p:sp>
+        <p:nvSpPr>
+          <p:cNvPr id="4" name="Slide Number Placeholder 3">
+            <a:extLst>
+              <a:ext uri="{FF2B5EF4-FFF2-40B4-BE49-F238E27FC236}">
+                <a16:creationId xmlns:a16="http://schemas.microsoft.com/office/drawing/2014/main" id="{630DB0BF-E7DC-4862-8DE7-D7BA32A36315}"/>
+              </a:ext>
+            </a:extLst>
+          </p:cNvPr>
+          <p:cNvSpPr>
+            <a:spLocks noGrp="1"/>
+          </p:cNvSpPr>
+          <p:nvPr>
+            <p:ph type="sldNum" sz="quarter" idx="12"/>
+          </p:nvPr>
+        </p:nvSpPr>
+        <p:spPr/>
+        <p:txBody>
+          <a:bodyPr/>
+          <a:lstStyle/>
+          <a:p>
+            <a:fld id="{B8DACC02-A2BD-4578-8E03-6D891060A695}" type="slidenum">
+              <a:rPr lang="en-US" smtClean="0"/>
+              <a:pPr/>
+              <a:t>25</a:t>
+            </a:fld>
+            <a:endParaRPr lang="en-US" dirty="0"/>
+          </a:p>
+        </p:txBody>
+      </p:sp>
+    </p:spTree>
+    <p:extLst>
+      <p:ext uri="{BB962C8B-B14F-4D97-AF65-F5344CB8AC3E}">
+        <p14:creationId xmlns:p14="http://schemas.microsoft.com/office/powerpoint/2010/main" val="2095094582"/>
       </p:ext>
     </p:extLst>
   </p:cSld>
